--- a/internet-security/dns-sec-6.pptx
+++ b/internet-security/dns-sec-6.pptx
@@ -5,7 +5,7 @@
     <p:sldMasterId id="2147483648" r:id="rId1"/>
   </p:sldMasterIdLst>
   <p:notesMasterIdLst>
-    <p:notesMasterId r:id="rId18"/>
+    <p:notesMasterId r:id="rId20"/>
   </p:notesMasterIdLst>
   <p:sldIdLst>
     <p:sldId id="257" r:id="rId2"/>
@@ -22,8 +22,10 @@
     <p:sldId id="403" r:id="rId13"/>
     <p:sldId id="404" r:id="rId14"/>
     <p:sldId id="511" r:id="rId15"/>
-    <p:sldId id="302" r:id="rId16"/>
-    <p:sldId id="512" r:id="rId17"/>
+    <p:sldId id="513" r:id="rId16"/>
+    <p:sldId id="302" r:id="rId17"/>
+    <p:sldId id="514" r:id="rId18"/>
+    <p:sldId id="512" r:id="rId19"/>
   </p:sldIdLst>
   <p:sldSz cx="9144000" cy="6858000" type="screen4x3"/>
   <p:notesSz cx="6858000" cy="9144000"/>
@@ -223,7 +225,7 @@
           <a:p>
             <a:fld id="{2E1F205E-831A-E54F-A049-F1EEDA2CD3A2}" type="datetimeFigureOut">
               <a:rPr kumimoji="1" lang="zh-CN" altLang="en-US" smtClean="0"/>
-              <a:t>2020/10/7</a:t>
+              <a:t>2022/9/6</a:t>
             </a:fld>
             <a:endParaRPr kumimoji="1" lang="zh-CN" altLang="en-US"/>
           </a:p>
@@ -3905,7 +3907,7 @@
           <a:p>
             <a:fld id="{06EEA379-993E-574B-AC78-555753883A10}" type="datetimeFigureOut">
               <a:rPr kumimoji="1" lang="zh-CN" altLang="en-US" smtClean="0"/>
-              <a:t>2020/10/7</a:t>
+              <a:t>2022/9/6</a:t>
             </a:fld>
             <a:endParaRPr kumimoji="1" lang="zh-CN" altLang="en-US"/>
           </a:p>
@@ -13001,6 +13003,129 @@
       </p:grpSpPr>
       <p:sp>
         <p:nvSpPr>
+          <p:cNvPr id="2" name="Title 1">
+            <a:extLst>
+              <a:ext uri="{FF2B5EF4-FFF2-40B4-BE49-F238E27FC236}">
+                <a16:creationId xmlns:a16="http://schemas.microsoft.com/office/drawing/2014/main" id="{BA3EBFF4-8474-91C5-9798-852D45B9F826}"/>
+              </a:ext>
+            </a:extLst>
+          </p:cNvPr>
+          <p:cNvSpPr>
+            <a:spLocks noGrp="1"/>
+          </p:cNvSpPr>
+          <p:nvPr>
+            <p:ph type="title"/>
+          </p:nvPr>
+        </p:nvSpPr>
+        <p:spPr/>
+        <p:txBody>
+          <a:bodyPr/>
+          <a:lstStyle/>
+          <a:p>
+            <a:r>
+              <a:rPr lang="en-CN" dirty="0"/>
+              <a:t>DNSSEC部署情况</a:t>
+            </a:r>
+          </a:p>
+        </p:txBody>
+      </p:sp>
+      <p:sp>
+        <p:nvSpPr>
+          <p:cNvPr id="4" name="Slide Number Placeholder 3">
+            <a:extLst>
+              <a:ext uri="{FF2B5EF4-FFF2-40B4-BE49-F238E27FC236}">
+                <a16:creationId xmlns:a16="http://schemas.microsoft.com/office/drawing/2014/main" id="{C11D45E4-C5D8-5B1A-728A-DB332854C246}"/>
+              </a:ext>
+            </a:extLst>
+          </p:cNvPr>
+          <p:cNvSpPr>
+            <a:spLocks noGrp="1"/>
+          </p:cNvSpPr>
+          <p:nvPr>
+            <p:ph type="sldNum" sz="quarter" idx="12"/>
+          </p:nvPr>
+        </p:nvSpPr>
+        <p:spPr/>
+        <p:txBody>
+          <a:bodyPr/>
+          <a:lstStyle/>
+          <a:p>
+            <a:fld id="{C835BB53-2BF5-C745-A0E3-3E773430534C}" type="slidenum">
+              <a:rPr kumimoji="1" lang="zh-CN" altLang="en-US" smtClean="0"/>
+              <a:pPr/>
+              <a:t>15</a:t>
+            </a:fld>
+            <a:endParaRPr kumimoji="1" lang="zh-CN" altLang="en-US" dirty="0"/>
+          </a:p>
+        </p:txBody>
+      </p:sp>
+      <p:pic>
+        <p:nvPicPr>
+          <p:cNvPr id="6" name="Picture 5">
+            <a:extLst>
+              <a:ext uri="{FF2B5EF4-FFF2-40B4-BE49-F238E27FC236}">
+                <a16:creationId xmlns:a16="http://schemas.microsoft.com/office/drawing/2014/main" id="{3D3DE311-E905-E8D4-1830-1F15F4989FD5}"/>
+              </a:ext>
+            </a:extLst>
+          </p:cNvPr>
+          <p:cNvPicPr>
+            <a:picLocks noChangeAspect="1"/>
+          </p:cNvPicPr>
+          <p:nvPr/>
+        </p:nvPicPr>
+        <p:blipFill>
+          <a:blip r:embed="rId2"/>
+          <a:stretch>
+            <a:fillRect/>
+          </a:stretch>
+        </p:blipFill>
+        <p:spPr>
+          <a:xfrm>
+            <a:off x="685800" y="1936750"/>
+            <a:ext cx="7772400" cy="4214098"/>
+          </a:xfrm>
+          <a:prstGeom prst="rect">
+            <a:avLst/>
+          </a:prstGeom>
+          <a:ln>
+            <a:solidFill>
+              <a:schemeClr val="accent1"/>
+            </a:solidFill>
+          </a:ln>
+        </p:spPr>
+      </p:pic>
+    </p:spTree>
+    <p:extLst>
+      <p:ext uri="{BB962C8B-B14F-4D97-AF65-F5344CB8AC3E}">
+        <p14:creationId xmlns:p14="http://schemas.microsoft.com/office/powerpoint/2010/main" val="3268885426"/>
+      </p:ext>
+    </p:extLst>
+  </p:cSld>
+  <p:clrMapOvr>
+    <a:masterClrMapping/>
+  </p:clrMapOvr>
+</p:sld>
+</file>
+
+<file path=ppt/slides/slide16.xml><?xml version="1.0" encoding="utf-8"?>
+<p:sld xmlns:a="http://schemas.openxmlformats.org/drawingml/2006/main" xmlns:r="http://schemas.openxmlformats.org/officeDocument/2006/relationships" xmlns:p="http://schemas.openxmlformats.org/presentationml/2006/main">
+  <p:cSld>
+    <p:spTree>
+      <p:nvGrpSpPr>
+        <p:cNvPr id="1" name=""/>
+        <p:cNvGrpSpPr/>
+        <p:nvPr/>
+      </p:nvGrpSpPr>
+      <p:grpSpPr>
+        <a:xfrm>
+          <a:off x="0" y="0"/>
+          <a:ext cx="0" cy="0"/>
+          <a:chOff x="0" y="0"/>
+          <a:chExt cx="0" cy="0"/>
+        </a:xfrm>
+      </p:grpSpPr>
+      <p:sp>
+        <p:nvSpPr>
           <p:cNvPr id="2" name="标题 1"/>
           <p:cNvSpPr>
             <a:spLocks noGrp="1"/>
@@ -13216,7 +13341,7 @@
             <a:fld id="{C835BB53-2BF5-C745-A0E3-3E773430534C}" type="slidenum">
               <a:rPr kumimoji="1" lang="zh-CN" altLang="en-US" smtClean="0"/>
               <a:pPr/>
-              <a:t>15</a:t>
+              <a:t>16</a:t>
             </a:fld>
             <a:endParaRPr kumimoji="1" lang="zh-CN" altLang="en-US" dirty="0"/>
           </a:p>
@@ -13235,7 +13360,276 @@
 </p:sld>
 </file>
 
-<file path=ppt/slides/slide16.xml><?xml version="1.0" encoding="utf-8"?>
+<file path=ppt/slides/slide17.xml><?xml version="1.0" encoding="utf-8"?>
+<p:sld xmlns:a="http://schemas.openxmlformats.org/drawingml/2006/main" xmlns:r="http://schemas.openxmlformats.org/officeDocument/2006/relationships" xmlns:p="http://schemas.openxmlformats.org/presentationml/2006/main">
+  <p:cSld>
+    <p:spTree>
+      <p:nvGrpSpPr>
+        <p:cNvPr id="1" name=""/>
+        <p:cNvGrpSpPr/>
+        <p:nvPr/>
+      </p:nvGrpSpPr>
+      <p:grpSpPr>
+        <a:xfrm>
+          <a:off x="0" y="0"/>
+          <a:ext cx="0" cy="0"/>
+          <a:chOff x="0" y="0"/>
+          <a:chExt cx="0" cy="0"/>
+        </a:xfrm>
+      </p:grpSpPr>
+      <p:sp>
+        <p:nvSpPr>
+          <p:cNvPr id="2" name="Title 1">
+            <a:extLst>
+              <a:ext uri="{FF2B5EF4-FFF2-40B4-BE49-F238E27FC236}">
+                <a16:creationId xmlns:a16="http://schemas.microsoft.com/office/drawing/2014/main" id="{271BB664-B04B-FADF-0F64-A6A1C7DA2C60}"/>
+              </a:ext>
+            </a:extLst>
+          </p:cNvPr>
+          <p:cNvSpPr>
+            <a:spLocks noGrp="1"/>
+          </p:cNvSpPr>
+          <p:nvPr>
+            <p:ph type="title"/>
+          </p:nvPr>
+        </p:nvSpPr>
+        <p:spPr/>
+        <p:txBody>
+          <a:bodyPr/>
+          <a:lstStyle/>
+          <a:p>
+            <a:r>
+              <a:rPr lang="en-CN" dirty="0"/>
+              <a:t>DNSSEC弱点</a:t>
+            </a:r>
+            <a:r>
+              <a:rPr lang="zh-CN" altLang="en-US" dirty="0"/>
+              <a:t>（续）</a:t>
+            </a:r>
+            <a:endParaRPr lang="en-CN" dirty="0"/>
+          </a:p>
+        </p:txBody>
+      </p:sp>
+      <p:sp>
+        <p:nvSpPr>
+          <p:cNvPr id="3" name="Content Placeholder 2">
+            <a:extLst>
+              <a:ext uri="{FF2B5EF4-FFF2-40B4-BE49-F238E27FC236}">
+                <a16:creationId xmlns:a16="http://schemas.microsoft.com/office/drawing/2014/main" id="{74F1CA9F-6EDF-B2DE-694D-F90E2432A6C6}"/>
+              </a:ext>
+            </a:extLst>
+          </p:cNvPr>
+          <p:cNvSpPr>
+            <a:spLocks noGrp="1"/>
+          </p:cNvSpPr>
+          <p:nvPr>
+            <p:ph idx="1"/>
+          </p:nvPr>
+        </p:nvSpPr>
+        <p:spPr/>
+        <p:txBody>
+          <a:bodyPr/>
+          <a:lstStyle/>
+          <a:p>
+            <a:r>
+              <a:rPr lang="en-US" sz="2000" dirty="0">
+                <a:hlinkClick r:id="rId2"/>
+              </a:rPr>
+              <a:t>https://sockpuppet.org/blog/2015/01/15/against-dnssec/</a:t>
+            </a:r>
+            <a:endParaRPr lang="en-US" sz="2000" dirty="0"/>
+          </a:p>
+          <a:p>
+            <a:r>
+              <a:rPr lang="en-CN" sz="2000" dirty="0"/>
+              <a:t>不是必要的</a:t>
+            </a:r>
+            <a:r>
+              <a:rPr lang="zh-CN" altLang="en-US" sz="2000" dirty="0"/>
+              <a:t>，</a:t>
+            </a:r>
+            <a:r>
+              <a:rPr lang="en-US" altLang="zh-CN" sz="2000" dirty="0"/>
+              <a:t>TLS</a:t>
+            </a:r>
+            <a:r>
+              <a:rPr lang="zh-CN" altLang="en-US" sz="2000" dirty="0"/>
+              <a:t>实现对域名所有权的保护，现在还有</a:t>
+            </a:r>
+            <a:r>
+              <a:rPr lang="en-US" altLang="zh-CN" sz="2000" dirty="0"/>
+              <a:t>QUIC</a:t>
+            </a:r>
+          </a:p>
+          <a:p>
+            <a:r>
+              <a:rPr lang="zh-CN" altLang="en-US" sz="2000" dirty="0"/>
+              <a:t>是政府控制的</a:t>
+            </a:r>
+            <a:r>
+              <a:rPr lang="en-US" altLang="zh-CN" sz="2000" dirty="0"/>
+              <a:t>PKI</a:t>
+            </a:r>
+            <a:r>
+              <a:rPr lang="zh-CN" altLang="en-US" sz="2000" dirty="0"/>
+              <a:t>，政府控制域名系统，进而控制</a:t>
+            </a:r>
+            <a:r>
+              <a:rPr lang="en-US" altLang="zh-CN" sz="2000" dirty="0"/>
+              <a:t>DANE</a:t>
+            </a:r>
+          </a:p>
+          <a:p>
+            <a:r>
+              <a:rPr lang="en-US" sz="2000" dirty="0" err="1"/>
+              <a:t>密码学是脆弱的</a:t>
+            </a:r>
+            <a:r>
+              <a:rPr lang="zh-CN" altLang="en-US" sz="2000" dirty="0"/>
+              <a:t>，最初未支持</a:t>
+            </a:r>
+            <a:r>
+              <a:rPr lang="en-US" altLang="zh-CN" sz="2000" dirty="0"/>
+              <a:t>ECC</a:t>
+            </a:r>
+          </a:p>
+          <a:p>
+            <a:r>
+              <a:rPr lang="en-US" sz="2000" dirty="0" err="1"/>
+              <a:t>开发成本高</a:t>
+            </a:r>
+            <a:r>
+              <a:rPr lang="zh-CN" altLang="en-US" sz="2000" dirty="0"/>
+              <a:t>，大量开发工作</a:t>
+            </a:r>
+            <a:endParaRPr lang="en-US" altLang="zh-CN" sz="2000" dirty="0"/>
+          </a:p>
+          <a:p>
+            <a:r>
+              <a:rPr lang="zh-CN" altLang="en-US" sz="2000" dirty="0"/>
+              <a:t>部署成本高，比</a:t>
+            </a:r>
+            <a:r>
+              <a:rPr lang="en-US" altLang="zh-CN" sz="2000" dirty="0"/>
+              <a:t>TLS</a:t>
+            </a:r>
+            <a:r>
+              <a:rPr lang="zh-CN" altLang="en-US" sz="2000" dirty="0"/>
+              <a:t>还高</a:t>
+            </a:r>
+            <a:endParaRPr lang="en-US" altLang="zh-CN" sz="2000" dirty="0"/>
+          </a:p>
+          <a:p>
+            <a:r>
+              <a:rPr lang="zh-CN" altLang="en-US" sz="2000" dirty="0"/>
+              <a:t>不完整，不保护浏览器</a:t>
+            </a:r>
+            <a:endParaRPr lang="en-US" altLang="zh-CN" sz="2000" dirty="0"/>
+          </a:p>
+          <a:p>
+            <a:r>
+              <a:rPr lang="zh-CN" altLang="en-US" sz="2000" dirty="0"/>
+              <a:t>不安全，认证不存在域名，离线签名，区泄漏选二（</a:t>
+            </a:r>
+            <a:r>
+              <a:rPr lang="en-US" altLang="zh-CN" sz="2000" dirty="0"/>
+              <a:t>NSEC/NSEC3</a:t>
+            </a:r>
+            <a:r>
+              <a:rPr lang="zh-CN" altLang="en-US" sz="2000" dirty="0"/>
+              <a:t>）</a:t>
+            </a:r>
+            <a:endParaRPr lang="en-US" altLang="zh-CN" sz="2000" dirty="0"/>
+          </a:p>
+          <a:p>
+            <a:r>
+              <a:rPr lang="zh-CN" altLang="en-US" sz="2000" dirty="0"/>
+              <a:t>体系架构上不合理，不符合端到端原则，应用实现安全，而不是网络</a:t>
+            </a:r>
+            <a:endParaRPr lang="en-US" altLang="zh-CN" sz="2000" dirty="0"/>
+          </a:p>
+          <a:p>
+            <a:pPr marL="0" indent="0">
+              <a:buNone/>
+            </a:pPr>
+            <a:endParaRPr lang="en-US" sz="2000" dirty="0"/>
+          </a:p>
+          <a:p>
+            <a:pPr marL="0" indent="0">
+              <a:buNone/>
+            </a:pPr>
+            <a:r>
+              <a:rPr lang="en-US" altLang="zh-CN" sz="2000" dirty="0"/>
+              <a:t>DNSSEC</a:t>
+            </a:r>
+            <a:r>
+              <a:rPr lang="zh-CN" altLang="en-US" sz="2000" dirty="0"/>
+              <a:t>故障历史：</a:t>
+            </a:r>
+            <a:r>
+              <a:rPr lang="en-US" altLang="zh-CN" sz="2000" dirty="0"/>
+              <a:t>https://</a:t>
+            </a:r>
+            <a:r>
+              <a:rPr lang="en-US" altLang="zh-CN" sz="2000" dirty="0" err="1"/>
+              <a:t>ianix.com</a:t>
+            </a:r>
+            <a:r>
+              <a:rPr lang="en-US" altLang="zh-CN" sz="2000" dirty="0"/>
+              <a:t>/pub/</a:t>
+            </a:r>
+            <a:r>
+              <a:rPr lang="en-US" altLang="zh-CN" sz="2000" dirty="0" err="1"/>
+              <a:t>dnssec-outages.html</a:t>
+            </a:r>
+            <a:endParaRPr lang="en-CN" sz="2000" dirty="0"/>
+          </a:p>
+        </p:txBody>
+      </p:sp>
+      <p:sp>
+        <p:nvSpPr>
+          <p:cNvPr id="4" name="Slide Number Placeholder 3">
+            <a:extLst>
+              <a:ext uri="{FF2B5EF4-FFF2-40B4-BE49-F238E27FC236}">
+                <a16:creationId xmlns:a16="http://schemas.microsoft.com/office/drawing/2014/main" id="{027E3AFC-29CA-D78C-75BB-379BD49EB6F4}"/>
+              </a:ext>
+            </a:extLst>
+          </p:cNvPr>
+          <p:cNvSpPr>
+            <a:spLocks noGrp="1"/>
+          </p:cNvSpPr>
+          <p:nvPr>
+            <p:ph type="sldNum" sz="quarter" idx="12"/>
+          </p:nvPr>
+        </p:nvSpPr>
+        <p:spPr/>
+        <p:txBody>
+          <a:bodyPr/>
+          <a:lstStyle/>
+          <a:p>
+            <a:fld id="{C835BB53-2BF5-C745-A0E3-3E773430534C}" type="slidenum">
+              <a:rPr kumimoji="1" lang="zh-CN" altLang="en-US" smtClean="0"/>
+              <a:pPr/>
+              <a:t>17</a:t>
+            </a:fld>
+            <a:endParaRPr kumimoji="1" lang="zh-CN" altLang="en-US" dirty="0"/>
+          </a:p>
+        </p:txBody>
+      </p:sp>
+    </p:spTree>
+    <p:extLst>
+      <p:ext uri="{BB962C8B-B14F-4D97-AF65-F5344CB8AC3E}">
+        <p14:creationId xmlns:p14="http://schemas.microsoft.com/office/powerpoint/2010/main" val="1685664488"/>
+      </p:ext>
+    </p:extLst>
+  </p:cSld>
+  <p:clrMapOvr>
+    <a:masterClrMapping/>
+  </p:clrMapOvr>
+</p:sld>
+</file>
+
+<file path=ppt/slides/slide18.xml><?xml version="1.0" encoding="utf-8"?>
 <p:sld xmlns:a="http://schemas.openxmlformats.org/drawingml/2006/main" xmlns:r="http://schemas.openxmlformats.org/officeDocument/2006/relationships" xmlns:p="http://schemas.openxmlformats.org/presentationml/2006/main">
   <p:cSld>
     <p:spTree>
@@ -13420,7 +13814,7 @@
             <a:fld id="{C835BB53-2BF5-C745-A0E3-3E773430534C}" type="slidenum">
               <a:rPr kumimoji="1" lang="zh-CN" altLang="en-US" smtClean="0"/>
               <a:pPr/>
-              <a:t>16</a:t>
+              <a:t>18</a:t>
             </a:fld>
             <a:endParaRPr kumimoji="1" lang="zh-CN" altLang="en-US" dirty="0"/>
           </a:p>
